--- a/Presentation-Creditcard.pptx
+++ b/Presentation-Creditcard.pptx
@@ -116,7 +116,7 @@
             <a:srgbClr val="A4A3A4"/>
           </p15:clr>
         </p15:guide>
-        <p15:guide id="2" pos="5586" userDrawn="1">
+        <p15:guide id="2" pos="5609" userDrawn="1">
           <p15:clr>
             <a:srgbClr val="A4A3A4"/>
           </p15:clr>
@@ -583,7 +583,7 @@
           <a:p>
             <a:fld id="{D0608CCF-18A6-A845-89FD-C3459E2502EA}" type="datetimeFigureOut">
               <a:rPr kumimoji="1" lang="zh-CN" altLang="en-US" smtClean="0"/>
-              <a:t>2020/11/18</a:t>
+              <a:t>2020/11/19</a:t>
             </a:fld>
             <a:endParaRPr kumimoji="1" lang="zh-CN" altLang="en-US"/>
           </a:p>
@@ -753,7 +753,7 @@
           <a:p>
             <a:fld id="{D0608CCF-18A6-A845-89FD-C3459E2502EA}" type="datetimeFigureOut">
               <a:rPr kumimoji="1" lang="zh-CN" altLang="en-US" smtClean="0"/>
-              <a:t>2020/11/18</a:t>
+              <a:t>2020/11/19</a:t>
             </a:fld>
             <a:endParaRPr kumimoji="1" lang="zh-CN" altLang="en-US"/>
           </a:p>
@@ -933,7 +933,7 @@
           <a:p>
             <a:fld id="{D0608CCF-18A6-A845-89FD-C3459E2502EA}" type="datetimeFigureOut">
               <a:rPr kumimoji="1" lang="zh-CN" altLang="en-US" smtClean="0"/>
-              <a:t>2020/11/18</a:t>
+              <a:t>2020/11/19</a:t>
             </a:fld>
             <a:endParaRPr kumimoji="1" lang="zh-CN" altLang="en-US"/>
           </a:p>
@@ -1103,7 +1103,7 @@
           <a:p>
             <a:fld id="{D0608CCF-18A6-A845-89FD-C3459E2502EA}" type="datetimeFigureOut">
               <a:rPr kumimoji="1" lang="zh-CN" altLang="en-US" smtClean="0"/>
-              <a:t>2020/11/18</a:t>
+              <a:t>2020/11/19</a:t>
             </a:fld>
             <a:endParaRPr kumimoji="1" lang="zh-CN" altLang="en-US"/>
           </a:p>
@@ -1349,7 +1349,7 @@
           <a:p>
             <a:fld id="{D0608CCF-18A6-A845-89FD-C3459E2502EA}" type="datetimeFigureOut">
               <a:rPr kumimoji="1" lang="zh-CN" altLang="en-US" smtClean="0"/>
-              <a:t>2020/11/18</a:t>
+              <a:t>2020/11/19</a:t>
             </a:fld>
             <a:endParaRPr kumimoji="1" lang="zh-CN" altLang="en-US"/>
           </a:p>
@@ -1581,7 +1581,7 @@
           <a:p>
             <a:fld id="{D0608CCF-18A6-A845-89FD-C3459E2502EA}" type="datetimeFigureOut">
               <a:rPr kumimoji="1" lang="zh-CN" altLang="en-US" smtClean="0"/>
-              <a:t>2020/11/18</a:t>
+              <a:t>2020/11/19</a:t>
             </a:fld>
             <a:endParaRPr kumimoji="1" lang="zh-CN" altLang="en-US"/>
           </a:p>
@@ -1948,7 +1948,7 @@
           <a:p>
             <a:fld id="{D0608CCF-18A6-A845-89FD-C3459E2502EA}" type="datetimeFigureOut">
               <a:rPr kumimoji="1" lang="zh-CN" altLang="en-US" smtClean="0"/>
-              <a:t>2020/11/18</a:t>
+              <a:t>2020/11/19</a:t>
             </a:fld>
             <a:endParaRPr kumimoji="1" lang="zh-CN" altLang="en-US"/>
           </a:p>
@@ -2066,7 +2066,7 @@
           <a:p>
             <a:fld id="{D0608CCF-18A6-A845-89FD-C3459E2502EA}" type="datetimeFigureOut">
               <a:rPr kumimoji="1" lang="zh-CN" altLang="en-US" smtClean="0"/>
-              <a:t>2020/11/18</a:t>
+              <a:t>2020/11/19</a:t>
             </a:fld>
             <a:endParaRPr kumimoji="1" lang="zh-CN" altLang="en-US"/>
           </a:p>
@@ -2161,7 +2161,7 @@
           <a:p>
             <a:fld id="{D0608CCF-18A6-A845-89FD-C3459E2502EA}" type="datetimeFigureOut">
               <a:rPr kumimoji="1" lang="zh-CN" altLang="en-US" smtClean="0"/>
-              <a:t>2020/11/18</a:t>
+              <a:t>2020/11/19</a:t>
             </a:fld>
             <a:endParaRPr kumimoji="1" lang="zh-CN" altLang="en-US"/>
           </a:p>
@@ -2438,7 +2438,7 @@
           <a:p>
             <a:fld id="{D0608CCF-18A6-A845-89FD-C3459E2502EA}" type="datetimeFigureOut">
               <a:rPr kumimoji="1" lang="zh-CN" altLang="en-US" smtClean="0"/>
-              <a:t>2020/11/18</a:t>
+              <a:t>2020/11/19</a:t>
             </a:fld>
             <a:endParaRPr kumimoji="1" lang="zh-CN" altLang="en-US"/>
           </a:p>
@@ -2695,7 +2695,7 @@
           <a:p>
             <a:fld id="{D0608CCF-18A6-A845-89FD-C3459E2502EA}" type="datetimeFigureOut">
               <a:rPr kumimoji="1" lang="zh-CN" altLang="en-US" smtClean="0"/>
-              <a:t>2020/11/18</a:t>
+              <a:t>2020/11/19</a:t>
             </a:fld>
             <a:endParaRPr kumimoji="1" lang="zh-CN" altLang="en-US"/>
           </a:p>
@@ -2908,7 +2908,7 @@
           <a:p>
             <a:fld id="{D0608CCF-18A6-A845-89FD-C3459E2502EA}" type="datetimeFigureOut">
               <a:rPr kumimoji="1" lang="zh-CN" altLang="en-US" smtClean="0"/>
-              <a:t>2020/11/18</a:t>
+              <a:t>2020/11/19</a:t>
             </a:fld>
             <a:endParaRPr kumimoji="1" lang="zh-CN" altLang="en-US"/>
           </a:p>
@@ -3411,8 +3411,8 @@
           </a:p>
         </p:txBody>
       </p:sp>
-      <mc:AlternateContent xmlns:mc="http://schemas.openxmlformats.org/markup-compatibility/2006">
-        <mc:Choice xmlns:p14="http://schemas.microsoft.com/office/powerpoint/2010/main" xmlns:aink="http://schemas.microsoft.com/office/drawing/2016/ink" Requires="p14 aink">
+      <mc:AlternateContent xmlns:mc="http://schemas.openxmlformats.org/markup-compatibility/2006" xmlns:p14="http://schemas.microsoft.com/office/powerpoint/2010/main" xmlns:aink="http://schemas.microsoft.com/office/drawing/2016/ink">
+        <mc:Choice Requires="p14 aink">
           <p:contentPart p14:bwMode="auto" r:id="rId2">
             <p14:nvContentPartPr>
               <p14:cNvPr id="5" name="墨迹 4">
@@ -3431,7 +3431,7 @@
             </p14:xfrm>
           </p:contentPart>
         </mc:Choice>
-        <mc:Fallback>
+        <mc:Fallback xmlns="">
           <p:pic>
             <p:nvPicPr>
               <p:cNvPr id="5" name="墨迹 4">
@@ -3462,8 +3462,8 @@
           </p:pic>
         </mc:Fallback>
       </mc:AlternateContent>
-      <mc:AlternateContent xmlns:mc="http://schemas.openxmlformats.org/markup-compatibility/2006">
-        <mc:Choice xmlns:p14="http://schemas.microsoft.com/office/powerpoint/2010/main" xmlns:aink="http://schemas.microsoft.com/office/drawing/2016/ink" Requires="p14 aink">
+      <mc:AlternateContent xmlns:mc="http://schemas.openxmlformats.org/markup-compatibility/2006" xmlns:p14="http://schemas.microsoft.com/office/powerpoint/2010/main" xmlns:aink="http://schemas.microsoft.com/office/drawing/2016/ink">
+        <mc:Choice Requires="p14 aink">
           <p:contentPart p14:bwMode="auto" r:id="rId4">
             <p14:nvContentPartPr>
               <p14:cNvPr id="6" name="墨迹 5">
@@ -3482,7 +3482,7 @@
             </p14:xfrm>
           </p:contentPart>
         </mc:Choice>
-        <mc:Fallback>
+        <mc:Fallback xmlns="">
           <p:pic>
             <p:nvPicPr>
               <p:cNvPr id="6" name="墨迹 5">
@@ -4502,13 +4502,13 @@
   <p:clrMapOvr>
     <a:masterClrMapping/>
   </p:clrMapOvr>
-  <mc:AlternateContent xmlns:mc="http://schemas.openxmlformats.org/markup-compatibility/2006">
-    <mc:Choice xmlns:p14="http://schemas.microsoft.com/office/powerpoint/2010/main" Requires="p14">
+  <mc:AlternateContent xmlns:mc="http://schemas.openxmlformats.org/markup-compatibility/2006" xmlns:p14="http://schemas.microsoft.com/office/powerpoint/2010/main">
+    <mc:Choice Requires="p14">
       <p:transition spd="slow" p14:dur="3900">
         <p14:glitter pattern="hexagon"/>
       </p:transition>
     </mc:Choice>
-    <mc:Fallback>
+    <mc:Fallback xmlns="">
       <p:transition spd="slow">
         <p:fade/>
       </p:transition>
@@ -4879,8 +4879,8 @@
           </a:p>
         </p:txBody>
       </p:sp>
-      <mc:AlternateContent xmlns:mc="http://schemas.openxmlformats.org/markup-compatibility/2006">
-        <mc:Choice xmlns:p14="http://schemas.microsoft.com/office/powerpoint/2010/main" xmlns:aink="http://schemas.microsoft.com/office/drawing/2016/ink" Requires="p14 aink">
+      <mc:AlternateContent xmlns:mc="http://schemas.openxmlformats.org/markup-compatibility/2006" xmlns:p14="http://schemas.microsoft.com/office/powerpoint/2010/main" xmlns:aink="http://schemas.microsoft.com/office/drawing/2016/ink">
+        <mc:Choice Requires="p14 aink">
           <p:contentPart p14:bwMode="auto" r:id="rId3">
             <p14:nvContentPartPr>
               <p14:cNvPr id="5" name="墨迹 4">
@@ -4899,7 +4899,7 @@
             </p14:xfrm>
           </p:contentPart>
         </mc:Choice>
-        <mc:Fallback>
+        <mc:Fallback xmlns="">
           <p:pic>
             <p:nvPicPr>
               <p:cNvPr id="5" name="墨迹 4">
@@ -4930,8 +4930,8 @@
           </p:pic>
         </mc:Fallback>
       </mc:AlternateContent>
-      <mc:AlternateContent xmlns:mc="http://schemas.openxmlformats.org/markup-compatibility/2006">
-        <mc:Choice xmlns:p14="http://schemas.microsoft.com/office/powerpoint/2010/main" xmlns:aink="http://schemas.microsoft.com/office/drawing/2016/ink" Requires="p14 aink">
+      <mc:AlternateContent xmlns:mc="http://schemas.openxmlformats.org/markup-compatibility/2006" xmlns:p14="http://schemas.microsoft.com/office/powerpoint/2010/main" xmlns:aink="http://schemas.microsoft.com/office/drawing/2016/ink">
+        <mc:Choice Requires="p14 aink">
           <p:contentPart p14:bwMode="auto" r:id="rId5">
             <p14:nvContentPartPr>
               <p14:cNvPr id="6" name="墨迹 5">
@@ -4950,7 +4950,7 @@
             </p14:xfrm>
           </p:contentPart>
         </mc:Choice>
-        <mc:Fallback>
+        <mc:Fallback xmlns="">
           <p:pic>
             <p:nvPicPr>
               <p:cNvPr id="6" name="墨迹 5">
@@ -5798,13 +5798,13 @@
   <p:clrMapOvr>
     <a:masterClrMapping/>
   </p:clrMapOvr>
-  <mc:AlternateContent xmlns:mc="http://schemas.openxmlformats.org/markup-compatibility/2006">
-    <mc:Choice xmlns:p14="http://schemas.microsoft.com/office/powerpoint/2010/main" Requires="p14">
+  <mc:AlternateContent xmlns:mc="http://schemas.openxmlformats.org/markup-compatibility/2006" xmlns:p14="http://schemas.microsoft.com/office/powerpoint/2010/main">
+    <mc:Choice Requires="p14">
       <p:transition spd="slow" p14:dur="3900">
         <p14:glitter pattern="hexagon"/>
       </p:transition>
     </mc:Choice>
-    <mc:Fallback>
+    <mc:Fallback xmlns="">
       <p:transition spd="slow">
         <p:fade/>
       </p:transition>
@@ -6078,8 +6078,8 @@
           </a:p>
         </p:txBody>
       </p:sp>
-      <mc:AlternateContent xmlns:mc="http://schemas.openxmlformats.org/markup-compatibility/2006">
-        <mc:Choice xmlns:p14="http://schemas.microsoft.com/office/powerpoint/2010/main" xmlns:aink="http://schemas.microsoft.com/office/drawing/2016/ink" Requires="p14 aink">
+      <mc:AlternateContent xmlns:mc="http://schemas.openxmlformats.org/markup-compatibility/2006" xmlns:p14="http://schemas.microsoft.com/office/powerpoint/2010/main" xmlns:aink="http://schemas.microsoft.com/office/drawing/2016/ink">
+        <mc:Choice Requires="p14 aink">
           <p:contentPart p14:bwMode="auto" r:id="rId3">
             <p14:nvContentPartPr>
               <p14:cNvPr id="5" name="墨迹 4">
@@ -6098,7 +6098,7 @@
             </p14:xfrm>
           </p:contentPart>
         </mc:Choice>
-        <mc:Fallback>
+        <mc:Fallback xmlns="">
           <p:pic>
             <p:nvPicPr>
               <p:cNvPr id="5" name="墨迹 4">
@@ -6129,8 +6129,8 @@
           </p:pic>
         </mc:Fallback>
       </mc:AlternateContent>
-      <mc:AlternateContent xmlns:mc="http://schemas.openxmlformats.org/markup-compatibility/2006">
-        <mc:Choice xmlns:p14="http://schemas.microsoft.com/office/powerpoint/2010/main" xmlns:aink="http://schemas.microsoft.com/office/drawing/2016/ink" Requires="p14 aink">
+      <mc:AlternateContent xmlns:mc="http://schemas.openxmlformats.org/markup-compatibility/2006" xmlns:p14="http://schemas.microsoft.com/office/powerpoint/2010/main" xmlns:aink="http://schemas.microsoft.com/office/drawing/2016/ink">
+        <mc:Choice Requires="p14 aink">
           <p:contentPart p14:bwMode="auto" r:id="rId5">
             <p14:nvContentPartPr>
               <p14:cNvPr id="6" name="墨迹 5">
@@ -6149,7 +6149,7 @@
             </p14:xfrm>
           </p:contentPart>
         </mc:Choice>
-        <mc:Fallback>
+        <mc:Fallback xmlns="">
           <p:pic>
             <p:nvPicPr>
               <p:cNvPr id="6" name="墨迹 5">
@@ -6721,7 +6721,7 @@
           </p:blipFill>
           <p:spPr>
             <a:xfrm>
-              <a:off x="5373910" y="854873"/>
+              <a:off x="5497631" y="860021"/>
               <a:ext cx="5964270" cy="4469140"/>
             </a:xfrm>
             <a:prstGeom prst="rect">
@@ -6740,13 +6740,13 @@
   <p:clrMapOvr>
     <a:masterClrMapping/>
   </p:clrMapOvr>
-  <mc:AlternateContent xmlns:mc="http://schemas.openxmlformats.org/markup-compatibility/2006">
-    <mc:Choice xmlns:p14="http://schemas.microsoft.com/office/powerpoint/2010/main" Requires="p14">
+  <mc:AlternateContent xmlns:mc="http://schemas.openxmlformats.org/markup-compatibility/2006" xmlns:p14="http://schemas.microsoft.com/office/powerpoint/2010/main">
+    <mc:Choice Requires="p14">
       <p:transition spd="slow" p14:dur="3900">
         <p14:glitter pattern="hexagon"/>
       </p:transition>
     </mc:Choice>
-    <mc:Fallback>
+    <mc:Fallback xmlns="">
       <p:transition spd="slow">
         <p:fade/>
       </p:transition>
@@ -7120,8 +7120,8 @@
           </a:p>
         </p:txBody>
       </p:sp>
-      <mc:AlternateContent xmlns:mc="http://schemas.openxmlformats.org/markup-compatibility/2006">
-        <mc:Choice xmlns:p14="http://schemas.microsoft.com/office/powerpoint/2010/main" xmlns:aink="http://schemas.microsoft.com/office/drawing/2016/ink" Requires="p14 aink">
+      <mc:AlternateContent xmlns:mc="http://schemas.openxmlformats.org/markup-compatibility/2006" xmlns:p14="http://schemas.microsoft.com/office/powerpoint/2010/main" xmlns:aink="http://schemas.microsoft.com/office/drawing/2016/ink">
+        <mc:Choice Requires="p14 aink">
           <p:contentPart p14:bwMode="auto" r:id="rId3">
             <p14:nvContentPartPr>
               <p14:cNvPr id="5" name="墨迹 4">
@@ -7140,7 +7140,7 @@
             </p14:xfrm>
           </p:contentPart>
         </mc:Choice>
-        <mc:Fallback>
+        <mc:Fallback xmlns="">
           <p:pic>
             <p:nvPicPr>
               <p:cNvPr id="5" name="墨迹 4">
@@ -7171,8 +7171,8 @@
           </p:pic>
         </mc:Fallback>
       </mc:AlternateContent>
-      <mc:AlternateContent xmlns:mc="http://schemas.openxmlformats.org/markup-compatibility/2006">
-        <mc:Choice xmlns:p14="http://schemas.microsoft.com/office/powerpoint/2010/main" xmlns:aink="http://schemas.microsoft.com/office/drawing/2016/ink" Requires="p14 aink">
+      <mc:AlternateContent xmlns:mc="http://schemas.openxmlformats.org/markup-compatibility/2006" xmlns:p14="http://schemas.microsoft.com/office/powerpoint/2010/main" xmlns:aink="http://schemas.microsoft.com/office/drawing/2016/ink">
+        <mc:Choice Requires="p14 aink">
           <p:contentPart p14:bwMode="auto" r:id="rId5">
             <p14:nvContentPartPr>
               <p14:cNvPr id="6" name="墨迹 5">
@@ -7191,7 +7191,7 @@
             </p14:xfrm>
           </p:contentPart>
         </mc:Choice>
-        <mc:Fallback>
+        <mc:Fallback xmlns="">
           <p:pic>
             <p:nvPicPr>
               <p:cNvPr id="6" name="墨迹 5">
@@ -7236,7 +7236,7 @@
         </p:nvGrpSpPr>
         <p:grpSpPr>
           <a:xfrm>
-            <a:off x="2858057" y="0"/>
+            <a:off x="9504399" y="0"/>
             <a:ext cx="9333943" cy="6858000"/>
             <a:chOff x="2858057" y="0"/>
             <a:chExt cx="9333943" cy="6858000"/>
@@ -7480,7 +7480,7 @@
         </p:nvGrpSpPr>
         <p:grpSpPr>
           <a:xfrm>
-            <a:off x="3596324" y="0"/>
+            <a:off x="10199688" y="0"/>
             <a:ext cx="9325232" cy="6858000"/>
             <a:chOff x="3596324" y="0"/>
             <a:chExt cx="9325232" cy="6858000"/>
@@ -7699,7 +7699,7 @@
         </p:nvGrpSpPr>
         <p:grpSpPr>
           <a:xfrm>
-            <a:off x="4236321" y="0"/>
+            <a:off x="10843209" y="0"/>
             <a:ext cx="9334392" cy="6858000"/>
             <a:chOff x="4236321" y="0"/>
             <a:chExt cx="9334392" cy="6858000"/>
@@ -7859,7 +7859,7 @@
           </p:blipFill>
           <p:spPr>
             <a:xfrm>
-              <a:off x="5351454" y="1013971"/>
+              <a:off x="5771275" y="985077"/>
               <a:ext cx="5170553" cy="3567682"/>
             </a:xfrm>
             <a:prstGeom prst="rect">
@@ -7914,18 +7914,168 @@
   <p:clrMapOvr>
     <a:masterClrMapping/>
   </p:clrMapOvr>
-  <mc:AlternateContent xmlns:mc="http://schemas.openxmlformats.org/markup-compatibility/2006">
-    <mc:Choice xmlns:p14="http://schemas.microsoft.com/office/powerpoint/2010/main" Requires="p14">
+  <mc:AlternateContent xmlns:mc="http://schemas.openxmlformats.org/markup-compatibility/2006" xmlns:p14="http://schemas.microsoft.com/office/powerpoint/2010/main">
+    <mc:Choice Requires="p14">
       <p:transition spd="slow" p14:dur="3900">
         <p14:glitter pattern="hexagon"/>
       </p:transition>
     </mc:Choice>
-    <mc:Fallback>
+    <mc:Fallback xmlns="">
       <p:transition spd="slow">
         <p:fade/>
       </p:transition>
     </mc:Fallback>
   </mc:AlternateContent>
+  <p:timing>
+    <p:tnLst>
+      <p:par>
+        <p:cTn id="1" dur="indefinite" restart="never" nodeType="tmRoot">
+          <p:childTnLst>
+            <p:seq concurrent="1" nextAc="seek">
+              <p:cTn id="2" dur="indefinite" nodeType="mainSeq">
+                <p:childTnLst>
+                  <p:par>
+                    <p:cTn id="3" fill="hold">
+                      <p:stCondLst>
+                        <p:cond delay="indefinite"/>
+                      </p:stCondLst>
+                      <p:childTnLst>
+                        <p:par>
+                          <p:cTn id="4" fill="hold">
+                            <p:stCondLst>
+                              <p:cond delay="0"/>
+                            </p:stCondLst>
+                            <p:childTnLst>
+                              <p:par>
+                                <p:cTn id="5" presetID="42" presetClass="path" presetSubtype="0" accel="50000" decel="50000" fill="hold" nodeType="clickEffect">
+                                  <p:stCondLst>
+                                    <p:cond delay="0"/>
+                                  </p:stCondLst>
+                                  <p:childTnLst>
+                                    <p:animMotion origin="layout" path="M 2.08333E-7 0 L -0.5457 0 " pathEditMode="relative" rAng="0" ptsTypes="AA">
+                                      <p:cBhvr>
+                                        <p:cTn id="6" dur="2000" fill="hold"/>
+                                        <p:tgtEl>
+                                          <p:spTgt spid="21"/>
+                                        </p:tgtEl>
+                                        <p:attrNameLst>
+                                          <p:attrName>ppt_x</p:attrName>
+                                          <p:attrName>ppt_y</p:attrName>
+                                        </p:attrNameLst>
+                                      </p:cBhvr>
+                                      <p:rCtr x="-27292" y="0"/>
+                                    </p:animMotion>
+                                  </p:childTnLst>
+                                </p:cTn>
+                              </p:par>
+                            </p:childTnLst>
+                          </p:cTn>
+                        </p:par>
+                      </p:childTnLst>
+                    </p:cTn>
+                  </p:par>
+                  <p:par>
+                    <p:cTn id="7" fill="hold">
+                      <p:stCondLst>
+                        <p:cond delay="indefinite"/>
+                      </p:stCondLst>
+                      <p:childTnLst>
+                        <p:par>
+                          <p:cTn id="8" fill="hold">
+                            <p:stCondLst>
+                              <p:cond delay="0"/>
+                            </p:stCondLst>
+                            <p:childTnLst>
+                              <p:par>
+                                <p:cTn id="9" presetID="42" presetClass="path" presetSubtype="0" accel="50000" decel="50000" fill="hold" nodeType="clickEffect">
+                                  <p:stCondLst>
+                                    <p:cond delay="0"/>
+                                  </p:stCondLst>
+                                  <p:childTnLst>
+                                    <p:animMotion origin="layout" path="M -4.16667E-7 0 L -0.54141 0 " pathEditMode="relative" rAng="0" ptsTypes="AA">
+                                      <p:cBhvr>
+                                        <p:cTn id="10" dur="2000" fill="hold"/>
+                                        <p:tgtEl>
+                                          <p:spTgt spid="30"/>
+                                        </p:tgtEl>
+                                        <p:attrNameLst>
+                                          <p:attrName>ppt_x</p:attrName>
+                                          <p:attrName>ppt_y</p:attrName>
+                                        </p:attrNameLst>
+                                      </p:cBhvr>
+                                      <p:rCtr x="-27070" y="0"/>
+                                    </p:animMotion>
+                                  </p:childTnLst>
+                                </p:cTn>
+                              </p:par>
+                            </p:childTnLst>
+                          </p:cTn>
+                        </p:par>
+                      </p:childTnLst>
+                    </p:cTn>
+                  </p:par>
+                  <p:par>
+                    <p:cTn id="11" fill="hold">
+                      <p:stCondLst>
+                        <p:cond delay="indefinite"/>
+                      </p:stCondLst>
+                      <p:childTnLst>
+                        <p:par>
+                          <p:cTn id="12" fill="hold">
+                            <p:stCondLst>
+                              <p:cond delay="0"/>
+                            </p:stCondLst>
+                            <p:childTnLst>
+                              <p:par>
+                                <p:cTn id="13" presetID="42" presetClass="path" presetSubtype="0" accel="50000" decel="50000" fill="hold" nodeType="clickEffect">
+                                  <p:stCondLst>
+                                    <p:cond delay="0"/>
+                                  </p:stCondLst>
+                                  <p:childTnLst>
+                                    <p:animMotion origin="layout" path="M 4.58333E-6 0 L -0.5448 0 " pathEditMode="relative" rAng="0" ptsTypes="AA">
+                                      <p:cBhvr>
+                                        <p:cTn id="14" dur="2000" fill="hold"/>
+                                        <p:tgtEl>
+                                          <p:spTgt spid="36"/>
+                                        </p:tgtEl>
+                                        <p:attrNameLst>
+                                          <p:attrName>ppt_x</p:attrName>
+                                          <p:attrName>ppt_y</p:attrName>
+                                        </p:attrNameLst>
+                                      </p:cBhvr>
+                                      <p:rCtr x="-27240" y="0"/>
+                                    </p:animMotion>
+                                  </p:childTnLst>
+                                </p:cTn>
+                              </p:par>
+                            </p:childTnLst>
+                          </p:cTn>
+                        </p:par>
+                      </p:childTnLst>
+                    </p:cTn>
+                  </p:par>
+                </p:childTnLst>
+              </p:cTn>
+              <p:prevCondLst>
+                <p:cond evt="onPrev" delay="0">
+                  <p:tgtEl>
+                    <p:sldTgt/>
+                  </p:tgtEl>
+                </p:cond>
+              </p:prevCondLst>
+              <p:nextCondLst>
+                <p:cond evt="onNext" delay="0">
+                  <p:tgtEl>
+                    <p:sldTgt/>
+                  </p:tgtEl>
+                </p:cond>
+              </p:nextCondLst>
+            </p:seq>
+          </p:childTnLst>
+        </p:cTn>
+      </p:par>
+    </p:tnLst>
+  </p:timing>
 </p:sld>
 </file>
 
@@ -7954,8 +8104,8 @@
           <a:chExt cx="0" cy="0"/>
         </a:xfrm>
       </p:grpSpPr>
-      <mc:AlternateContent xmlns:mc="http://schemas.openxmlformats.org/markup-compatibility/2006">
-        <mc:Choice xmlns:p14="http://schemas.microsoft.com/office/powerpoint/2010/main" xmlns:aink="http://schemas.microsoft.com/office/drawing/2016/ink" Requires="p14 aink">
+      <mc:AlternateContent xmlns:mc="http://schemas.openxmlformats.org/markup-compatibility/2006" xmlns:p14="http://schemas.microsoft.com/office/powerpoint/2010/main" xmlns:aink="http://schemas.microsoft.com/office/drawing/2016/ink">
+        <mc:Choice Requires="p14 aink">
           <p:contentPart p14:bwMode="auto" r:id="rId2">
             <p14:nvContentPartPr>
               <p14:cNvPr id="5" name="墨迹 4">
@@ -7974,7 +8124,7 @@
             </p14:xfrm>
           </p:contentPart>
         </mc:Choice>
-        <mc:Fallback>
+        <mc:Fallback xmlns="">
           <p:pic>
             <p:nvPicPr>
               <p:cNvPr id="5" name="墨迹 4">
@@ -8005,8 +8155,8 @@
           </p:pic>
         </mc:Fallback>
       </mc:AlternateContent>
-      <mc:AlternateContent xmlns:mc="http://schemas.openxmlformats.org/markup-compatibility/2006">
-        <mc:Choice xmlns:p14="http://schemas.microsoft.com/office/powerpoint/2010/main" xmlns:aink="http://schemas.microsoft.com/office/drawing/2016/ink" Requires="p14 aink">
+      <mc:AlternateContent xmlns:mc="http://schemas.openxmlformats.org/markup-compatibility/2006" xmlns:p14="http://schemas.microsoft.com/office/powerpoint/2010/main" xmlns:aink="http://schemas.microsoft.com/office/drawing/2016/ink">
+        <mc:Choice Requires="p14 aink">
           <p:contentPart p14:bwMode="auto" r:id="rId4">
             <p14:nvContentPartPr>
               <p14:cNvPr id="6" name="墨迹 5">
@@ -8025,7 +8175,7 @@
             </p14:xfrm>
           </p:contentPart>
         </mc:Choice>
-        <mc:Fallback>
+        <mc:Fallback xmlns="">
           <p:pic>
             <p:nvPicPr>
               <p:cNvPr id="6" name="墨迹 5">
@@ -8110,13 +8260,13 @@
   <p:clrMapOvr>
     <a:masterClrMapping/>
   </p:clrMapOvr>
-  <mc:AlternateContent xmlns:mc="http://schemas.openxmlformats.org/markup-compatibility/2006">
-    <mc:Choice xmlns:p14="http://schemas.microsoft.com/office/powerpoint/2010/main" Requires="p14">
+  <mc:AlternateContent xmlns:mc="http://schemas.openxmlformats.org/markup-compatibility/2006" xmlns:p14="http://schemas.microsoft.com/office/powerpoint/2010/main">
+    <mc:Choice Requires="p14">
       <p:transition spd="slow" p14:dur="3900">
         <p14:glitter pattern="hexagon"/>
       </p:transition>
     </mc:Choice>
-    <mc:Fallback>
+    <mc:Fallback xmlns="">
       <p:transition spd="slow">
         <p:fade/>
       </p:transition>
